--- a/_site/content/Week15/lab.pptx
+++ b/_site/content/Week15/lab.pptx
@@ -7,6 +7,7 @@
   <p:sldIdLst>
     <p:sldId id="256" r:id="rId2"/>
     <p:sldId id="257" r:id="rId3"/>
+    <p:sldId id="258" r:id="rId4"/>
   </p:sldIdLst>
   <p:sldSz cx="12192000" cy="6858000"/>
   <p:notesSz cx="6858000" cy="9144000"/>
@@ -4923,7 +4924,7 @@
             </a:pPr>
             <a:r>
               <a:rPr/>
-              <a:t>Template Subtitle</a:t>
+              <a:t>Data Audit and Stopping plans</a:t>
             </a:r>
             <a:br/>
             <a:br/>
@@ -5052,7 +5053,7 @@
             </a:pPr>
             <a:r>
               <a:rPr/>
-              <a:t>Template</a:t>
+              <a:t>Audit Data status for all groups</a:t>
             </a:r>
           </a:p>
           <a:p>
@@ -5061,28 +5062,68 @@
             </a:pPr>
             <a:r>
               <a:rPr/>
-              <a:t>Template</a:t>
-            </a:r>
-          </a:p>
-          <a:p>
-            <a:pPr lvl="0" indent="-257175" marL="257175">
-              <a:buAutoNum type="arabicPeriod"/>
+              <a:t>Identify groups with need for fabricated data</a:t>
+            </a:r>
+          </a:p>
+        </p:txBody>
+      </p:sp>
+    </p:spTree>
+  </p:cSld>
+</p:sld>
+</file>
+
+<file path=ppt/slides/slide3.xml><?xml version="1.0" encoding="utf-8"?>
+<p:sld xmlns:a="http://schemas.openxmlformats.org/drawingml/2006/main" xmlns:r="http://schemas.openxmlformats.org/officeDocument/2006/relationships" xmlns:p="http://schemas.openxmlformats.org/presentationml/2006/main">
+  <p:cSld>
+    <p:spTree>
+      <p:nvGrpSpPr>
+        <p:cNvPr id="1" name=""/>
+        <p:cNvGrpSpPr/>
+        <p:nvPr/>
+      </p:nvGrpSpPr>
+      <p:grpSpPr>
+        <a:xfrm>
+          <a:off x="0" y="0"/>
+          <a:ext cx="0" cy="0"/>
+          <a:chOff x="0" y="0"/>
+          <a:chExt cx="0" cy="0"/>
+        </a:xfrm>
+      </p:grpSpPr>
+      <p:sp>
+        <p:nvSpPr>
+          <p:cNvPr id="2" name="Title 1">
+            <a:extLst>
+              <a:ext uri="{FF2B5EF4-FFF2-40B4-BE49-F238E27FC236}">
+                <a16:creationId xmlns:a16="http://schemas.microsoft.com/office/drawing/2014/main" id="{DD9B8E45-0772-954C-8D4B-6E6808DFEDED}"/>
+              </a:ext>
+            </a:extLst>
+          </p:cNvPr>
+          <p:cNvSpPr>
+            <a:spLocks noGrp="1"/>
+          </p:cNvSpPr>
+          <p:nvPr>
+            <p:ph type="title"/>
+          </p:nvPr>
+        </p:nvSpPr>
+        <p:spPr>
+          <a:xfrm>
+            <a:off x="838200" y="365129"/>
+            <a:ext cx="10002520" cy="1325563"/>
+          </a:xfrm>
+          <a:prstGeom prst="rect">
+            <a:avLst/>
+          </a:prstGeom>
+        </p:spPr>
+        <p:txBody>
+          <a:bodyPr/>
+          <a:lstStyle/>
+          <a:p>
+            <a:pPr lvl="0" indent="0" marL="0">
+              <a:buNone/>
             </a:pPr>
             <a:r>
               <a:rPr/>
-              <a:t>Template</a:t>
-            </a:r>
-          </a:p>
-          <a:p>
-            <a:pPr lvl="0" indent="0" marL="0">
-              <a:spcBef>
-                <a:spcPts val="3000"/>
-              </a:spcBef>
-              <a:buNone/>
-            </a:pPr>
-            <a:r>
-              <a:rPr b="1"/>
-              <a:t>Stuff</a:t>
+              <a:t>Have a great Reading Week!</a:t>
             </a:r>
           </a:p>
         </p:txBody>
